--- a/docs/figure.pptx
+++ b/docs/figure.pptx
@@ -5,11 +5,12 @@
     <p:sldMasterId id="2147483648" r:id="rId1"/>
   </p:sldMasterIdLst>
   <p:notesMasterIdLst>
-    <p:notesMasterId r:id="rId4"/>
+    <p:notesMasterId r:id="rId5"/>
   </p:notesMasterIdLst>
   <p:sldIdLst>
     <p:sldId id="256" r:id="rId2"/>
     <p:sldId id="257" r:id="rId3"/>
+    <p:sldId id="258" r:id="rId4"/>
   </p:sldIdLst>
   <p:sldSz cx="12192000" cy="6858000"/>
   <p:notesSz cx="6858000" cy="9144000"/>
@@ -5767,6 +5768,108 @@
 </p:sld>
 </file>
 
+<file path=ppt/slides/slide3.xml><?xml version="1.0" encoding="utf-8"?>
+<p:sld xmlns:a="http://schemas.openxmlformats.org/drawingml/2006/main" xmlns:r="http://schemas.openxmlformats.org/officeDocument/2006/relationships" xmlns:p="http://schemas.openxmlformats.org/presentationml/2006/main">
+  <p:cSld>
+    <p:spTree>
+      <p:nvGrpSpPr>
+        <p:cNvPr id="1" name=""/>
+        <p:cNvGrpSpPr/>
+        <p:nvPr/>
+      </p:nvGrpSpPr>
+      <p:grpSpPr>
+        <a:xfrm>
+          <a:off x="0" y="0"/>
+          <a:ext cx="0" cy="0"/>
+          <a:chOff x="0" y="0"/>
+          <a:chExt cx="0" cy="0"/>
+        </a:xfrm>
+      </p:grpSpPr>
+      <p:sp>
+        <p:nvSpPr>
+          <p:cNvPr id="2" name="タイトル 1"/>
+          <p:cNvSpPr>
+            <a:spLocks noGrp="1"/>
+          </p:cNvSpPr>
+          <p:nvPr>
+            <p:ph type="title"/>
+          </p:nvPr>
+        </p:nvSpPr>
+        <p:spPr>
+          <a:xfrm>
+            <a:off x="-1" y="6190350"/>
+            <a:ext cx="5769033" cy="667650"/>
+          </a:xfrm>
+        </p:spPr>
+        <p:txBody>
+          <a:bodyPr>
+            <a:normAutofit fontScale="90000"/>
+          </a:bodyPr>
+          <a:lstStyle/>
+          <a:p>
+            <a:r>
+              <a:rPr kumimoji="1" lang="ja-JP" altLang="en-US" sz="2400" dirty="0" smtClean="0"/>
+              <a:t>図</a:t>
+            </a:r>
+            <a:r>
+              <a:rPr kumimoji="1" lang="en-US" altLang="ja-JP" sz="2400" dirty="0" smtClean="0"/>
+              <a:t>3 </a:t>
+            </a:r>
+            <a:r>
+              <a:rPr kumimoji="1" lang="en-US" altLang="ja-JP" sz="2400" dirty="0" smtClean="0"/>
+              <a:t>Conversation </a:t>
+            </a:r>
+            <a:r>
+              <a:rPr lang="ja-JP" altLang="en-US" sz="2400" dirty="0" smtClean="0"/>
+              <a:t>ワークスペースの接続情報</a:t>
+            </a:r>
+            <a:endParaRPr kumimoji="1" lang="ja-JP" altLang="en-US" sz="2400" dirty="0"/>
+          </a:p>
+        </p:txBody>
+      </p:sp>
+      <p:pic>
+        <p:nvPicPr>
+          <p:cNvPr id="15" name="図 14"/>
+          <p:cNvPicPr>
+            <a:picLocks noChangeAspect="1"/>
+          </p:cNvPicPr>
+          <p:nvPr/>
+        </p:nvPicPr>
+        <p:blipFill>
+          <a:blip r:embed="rId2">
+            <a:extLst>
+              <a:ext uri="{28A0092B-C50C-407E-A947-70E740481C1C}">
+                <a14:useLocalDpi xmlns:a14="http://schemas.microsoft.com/office/drawing/2010/main" val="0"/>
+              </a:ext>
+            </a:extLst>
+          </a:blip>
+          <a:stretch>
+            <a:fillRect/>
+          </a:stretch>
+        </p:blipFill>
+        <p:spPr>
+          <a:xfrm>
+            <a:off x="1066800" y="1230314"/>
+            <a:ext cx="10058400" cy="4397372"/>
+          </a:xfrm>
+          <a:prstGeom prst="rect">
+            <a:avLst/>
+          </a:prstGeom>
+        </p:spPr>
+      </p:pic>
+    </p:spTree>
+    <p:extLst>
+      <p:ext uri="{BB962C8B-B14F-4D97-AF65-F5344CB8AC3E}">
+        <p14:creationId xmlns:p14="http://schemas.microsoft.com/office/powerpoint/2010/main" val="1582844318"/>
+      </p:ext>
+    </p:extLst>
+  </p:cSld>
+  <p:clrMapOvr>
+    <a:masterClrMapping/>
+  </p:clrMapOvr>
+</p:sld>
+</file>
+
 <file path=ppt/theme/theme1.xml><?xml version="1.0" encoding="utf-8"?>
 <a:theme xmlns:a="http://schemas.openxmlformats.org/drawingml/2006/main" name="Office Theme">
   <a:themeElements>

--- a/docs/figure.pptx
+++ b/docs/figure.pptx
@@ -210,7 +210,7 @@
           <a:p>
             <a:fld id="{66D949E3-6659-8E4F-901F-AFF6F33DACEF}" type="datetimeFigureOut">
               <a:rPr kumimoji="1" lang="ja-JP" altLang="en-US" smtClean="0"/>
-              <a:t>2017/4/25</a:t>
+              <a:t>2017/4/27</a:t>
             </a:fld>
             <a:endParaRPr kumimoji="1" lang="ja-JP" altLang="en-US"/>
           </a:p>
@@ -641,7 +641,7 @@
           <a:p>
             <a:fld id="{360FF60A-06ED-4173-82A8-5CCC4E59C5FB}" type="datetimeFigureOut">
               <a:rPr kumimoji="1" lang="ja-JP" altLang="en-US" smtClean="0"/>
-              <a:t>2017/4/25</a:t>
+              <a:t>2017/4/27</a:t>
             </a:fld>
             <a:endParaRPr kumimoji="1" lang="ja-JP" altLang="en-US"/>
           </a:p>
@@ -811,7 +811,7 @@
           <a:p>
             <a:fld id="{360FF60A-06ED-4173-82A8-5CCC4E59C5FB}" type="datetimeFigureOut">
               <a:rPr kumimoji="1" lang="ja-JP" altLang="en-US" smtClean="0"/>
-              <a:t>2017/4/25</a:t>
+              <a:t>2017/4/27</a:t>
             </a:fld>
             <a:endParaRPr kumimoji="1" lang="ja-JP" altLang="en-US"/>
           </a:p>
@@ -991,7 +991,7 @@
           <a:p>
             <a:fld id="{360FF60A-06ED-4173-82A8-5CCC4E59C5FB}" type="datetimeFigureOut">
               <a:rPr kumimoji="1" lang="ja-JP" altLang="en-US" smtClean="0"/>
-              <a:t>2017/4/25</a:t>
+              <a:t>2017/4/27</a:t>
             </a:fld>
             <a:endParaRPr kumimoji="1" lang="ja-JP" altLang="en-US"/>
           </a:p>
@@ -1161,7 +1161,7 @@
           <a:p>
             <a:fld id="{360FF60A-06ED-4173-82A8-5CCC4E59C5FB}" type="datetimeFigureOut">
               <a:rPr kumimoji="1" lang="ja-JP" altLang="en-US" smtClean="0"/>
-              <a:t>2017/4/25</a:t>
+              <a:t>2017/4/27</a:t>
             </a:fld>
             <a:endParaRPr kumimoji="1" lang="ja-JP" altLang="en-US"/>
           </a:p>
@@ -1407,7 +1407,7 @@
           <a:p>
             <a:fld id="{360FF60A-06ED-4173-82A8-5CCC4E59C5FB}" type="datetimeFigureOut">
               <a:rPr kumimoji="1" lang="ja-JP" altLang="en-US" smtClean="0"/>
-              <a:t>2017/4/25</a:t>
+              <a:t>2017/4/27</a:t>
             </a:fld>
             <a:endParaRPr kumimoji="1" lang="ja-JP" altLang="en-US"/>
           </a:p>
@@ -1639,7 +1639,7 @@
           <a:p>
             <a:fld id="{360FF60A-06ED-4173-82A8-5CCC4E59C5FB}" type="datetimeFigureOut">
               <a:rPr kumimoji="1" lang="ja-JP" altLang="en-US" smtClean="0"/>
-              <a:t>2017/4/25</a:t>
+              <a:t>2017/4/27</a:t>
             </a:fld>
             <a:endParaRPr kumimoji="1" lang="ja-JP" altLang="en-US"/>
           </a:p>
@@ -2006,7 +2006,7 @@
           <a:p>
             <a:fld id="{360FF60A-06ED-4173-82A8-5CCC4E59C5FB}" type="datetimeFigureOut">
               <a:rPr kumimoji="1" lang="ja-JP" altLang="en-US" smtClean="0"/>
-              <a:t>2017/4/25</a:t>
+              <a:t>2017/4/27</a:t>
             </a:fld>
             <a:endParaRPr kumimoji="1" lang="ja-JP" altLang="en-US"/>
           </a:p>
@@ -2124,7 +2124,7 @@
           <a:p>
             <a:fld id="{360FF60A-06ED-4173-82A8-5CCC4E59C5FB}" type="datetimeFigureOut">
               <a:rPr kumimoji="1" lang="ja-JP" altLang="en-US" smtClean="0"/>
-              <a:t>2017/4/25</a:t>
+              <a:t>2017/4/27</a:t>
             </a:fld>
             <a:endParaRPr kumimoji="1" lang="ja-JP" altLang="en-US"/>
           </a:p>
@@ -2219,7 +2219,7 @@
           <a:p>
             <a:fld id="{360FF60A-06ED-4173-82A8-5CCC4E59C5FB}" type="datetimeFigureOut">
               <a:rPr kumimoji="1" lang="ja-JP" altLang="en-US" smtClean="0"/>
-              <a:t>2017/4/25</a:t>
+              <a:t>2017/4/27</a:t>
             </a:fld>
             <a:endParaRPr kumimoji="1" lang="ja-JP" altLang="en-US"/>
           </a:p>
@@ -2496,7 +2496,7 @@
           <a:p>
             <a:fld id="{360FF60A-06ED-4173-82A8-5CCC4E59C5FB}" type="datetimeFigureOut">
               <a:rPr kumimoji="1" lang="ja-JP" altLang="en-US" smtClean="0"/>
-              <a:t>2017/4/25</a:t>
+              <a:t>2017/4/27</a:t>
             </a:fld>
             <a:endParaRPr kumimoji="1" lang="ja-JP" altLang="en-US"/>
           </a:p>
@@ -2749,7 +2749,7 @@
           <a:p>
             <a:fld id="{360FF60A-06ED-4173-82A8-5CCC4E59C5FB}" type="datetimeFigureOut">
               <a:rPr kumimoji="1" lang="ja-JP" altLang="en-US" smtClean="0"/>
-              <a:t>2017/4/25</a:t>
+              <a:t>2017/4/27</a:t>
             </a:fld>
             <a:endParaRPr kumimoji="1" lang="ja-JP" altLang="en-US"/>
           </a:p>
@@ -2962,7 +2962,7 @@
           <a:p>
             <a:fld id="{360FF60A-06ED-4173-82A8-5CCC4E59C5FB}" type="datetimeFigureOut">
               <a:rPr kumimoji="1" lang="ja-JP" altLang="en-US" smtClean="0"/>
-              <a:t>2017/4/25</a:t>
+              <a:t>2017/4/27</a:t>
             </a:fld>
             <a:endParaRPr kumimoji="1" lang="ja-JP" altLang="en-US"/>
           </a:p>
@@ -5016,6 +5016,13 @@
   <p:clrMapOvr>
     <a:masterClrMapping/>
   </p:clrMapOvr>
+  <p:timing>
+    <p:tnLst>
+      <p:par>
+        <p:cTn id="1" dur="indefinite" restart="never" nodeType="tmRoot"/>
+      </p:par>
+    </p:tnLst>
+  </p:timing>
 </p:sld>
 </file>
 
@@ -5080,7 +5087,7 @@
       </p:sp>
       <p:grpSp>
         <p:nvGrpSpPr>
-          <p:cNvPr id="21" name="図形グループ 20"/>
+          <p:cNvPr id="14" name="図形グループ 13"/>
           <p:cNvGrpSpPr/>
           <p:nvPr/>
         </p:nvGrpSpPr>
@@ -5088,7 +5095,7 @@
           <a:xfrm>
             <a:off x="939082" y="551549"/>
             <a:ext cx="10313836" cy="5754902"/>
-            <a:chOff x="139154" y="239835"/>
+            <a:chOff x="939082" y="551549"/>
             <a:chExt cx="10313836" cy="5754902"/>
           </a:xfrm>
         </p:grpSpPr>
@@ -5114,7 +5121,7 @@
           </p:blipFill>
           <p:spPr>
             <a:xfrm>
-              <a:off x="139154" y="2722304"/>
+              <a:off x="939082" y="3034018"/>
               <a:ext cx="7567931" cy="1695777"/>
             </a:xfrm>
             <a:prstGeom prst="rect">
@@ -5144,7 +5151,7 @@
           </p:blipFill>
           <p:spPr>
             <a:xfrm>
-              <a:off x="2884515" y="4263328"/>
+              <a:off x="3684443" y="4575042"/>
               <a:ext cx="7567931" cy="1731409"/>
             </a:xfrm>
             <a:prstGeom prst="rect">
@@ -5174,7 +5181,7 @@
           </p:blipFill>
           <p:spPr>
             <a:xfrm>
-              <a:off x="8502218" y="3848471"/>
+              <a:off x="9302146" y="4160185"/>
               <a:ext cx="1944000" cy="195237"/>
             </a:xfrm>
             <a:prstGeom prst="rect">
@@ -5190,7 +5197,7 @@
           </p:nvGrpSpPr>
           <p:grpSpPr>
             <a:xfrm>
-              <a:off x="139155" y="239835"/>
+              <a:off x="939083" y="551549"/>
               <a:ext cx="10313290" cy="2292547"/>
               <a:chOff x="139155" y="239835"/>
               <a:chExt cx="10313290" cy="2292547"/>
@@ -5444,8 +5451,8 @@
             </p:nvSpPr>
             <p:spPr>
               <a:xfrm>
-                <a:off x="8177780" y="1247608"/>
-                <a:ext cx="1391728" cy="276999"/>
+                <a:off x="7842505" y="1449790"/>
+                <a:ext cx="2436180" cy="461665"/>
               </a:xfrm>
               <a:prstGeom prst="rect">
                 <a:avLst/>
@@ -5458,6 +5465,7 @@
               </a:bodyPr>
               <a:lstStyle/>
               <a:p>
+                <a:pPr algn="r"/>
                 <a:r>
                   <a:rPr lang="en-US" altLang="ja-JP" sz="1200" dirty="0" smtClean="0">
                     <a:solidFill>
@@ -5467,10 +5475,10 @@
                     <a:ea typeface="Meiryo" charset="-128"/>
                     <a:cs typeface="Meiryo" charset="-128"/>
                   </a:rPr>
-                  <a:t>(2) </a:t>
+                  <a:t>(</a:t>
                 </a:r>
                 <a:r>
-                  <a:rPr kumimoji="1" lang="ja-JP" altLang="en-US" sz="1200" dirty="0" smtClean="0">
+                  <a:rPr lang="en-US" altLang="ja-JP" sz="1200" dirty="0" smtClean="0">
                     <a:solidFill>
                       <a:srgbClr val="FFC000"/>
                     </a:solidFill>
@@ -5478,9 +5486,75 @@
                     <a:ea typeface="Meiryo" charset="-128"/>
                     <a:cs typeface="Meiryo" charset="-128"/>
                   </a:rPr>
-                  <a:t>ファイル指定</a:t>
+                  <a:t>2)</a:t>
                 </a:r>
-                <a:endParaRPr kumimoji="1" lang="ja-JP" altLang="en-US" sz="1200" dirty="0">
+                <a:r>
+                  <a:rPr lang="en-US" altLang="ja-JP" sz="1200" dirty="0" smtClean="0">
+                    <a:solidFill>
+                      <a:srgbClr val="FFC000"/>
+                    </a:solidFill>
+                    <a:latin typeface="Meiryo" charset="-128"/>
+                    <a:ea typeface="Meiryo" charset="-128"/>
+                    <a:cs typeface="Meiryo" charset="-128"/>
+                  </a:rPr>
+                  <a:t>install/workspace-</a:t>
+                </a:r>
+                <a:r>
+                  <a:rPr lang="en-US" altLang="ja-JP" sz="1200" dirty="0" err="1" smtClean="0">
+                    <a:solidFill>
+                      <a:srgbClr val="FFC000"/>
+                    </a:solidFill>
+                    <a:latin typeface="Meiryo" charset="-128"/>
+                    <a:ea typeface="Meiryo" charset="-128"/>
+                    <a:cs typeface="Meiryo" charset="-128"/>
+                  </a:rPr>
+                  <a:t>diet.json</a:t>
+                </a:r>
+                <a:endParaRPr lang="en-US" altLang="ja-JP" sz="1200" dirty="0" smtClean="0">
+                  <a:solidFill>
+                    <a:srgbClr val="FFC000"/>
+                  </a:solidFill>
+                  <a:latin typeface="Meiryo" charset="-128"/>
+                  <a:ea typeface="Meiryo" charset="-128"/>
+                  <a:cs typeface="Meiryo" charset="-128"/>
+                </a:endParaRPr>
+              </a:p>
+              <a:p>
+                <a:pPr algn="r"/>
+                <a:r>
+                  <a:rPr lang="en-US" altLang="ja-JP" sz="1200" dirty="0">
+                    <a:solidFill>
+                      <a:srgbClr val="FFC000"/>
+                    </a:solidFill>
+                    <a:latin typeface="Meiryo" charset="-128"/>
+                    <a:ea typeface="Meiryo" charset="-128"/>
+                    <a:cs typeface="Meiryo" charset="-128"/>
+                  </a:rPr>
+                  <a:t> </a:t>
+                </a:r>
+                <a:r>
+                  <a:rPr lang="en-US" altLang="ja-JP" sz="1200" dirty="0" smtClean="0">
+                    <a:solidFill>
+                      <a:srgbClr val="FFC000"/>
+                    </a:solidFill>
+                    <a:latin typeface="Meiryo" charset="-128"/>
+                    <a:ea typeface="Meiryo" charset="-128"/>
+                    <a:cs typeface="Meiryo" charset="-128"/>
+                  </a:rPr>
+                  <a:t>   </a:t>
+                </a:r>
+                <a:r>
+                  <a:rPr lang="ja-JP" altLang="en-US" sz="1200" dirty="0" smtClean="0">
+                    <a:solidFill>
+                      <a:srgbClr val="FFC000"/>
+                    </a:solidFill>
+                    <a:latin typeface="Meiryo" charset="-128"/>
+                    <a:ea typeface="Meiryo" charset="-128"/>
+                    <a:cs typeface="Meiryo" charset="-128"/>
+                  </a:rPr>
+                  <a:t>ファイルを指定</a:t>
+                </a:r>
+                <a:endParaRPr lang="ja-JP" altLang="en-US" sz="1200" dirty="0">
                   <a:solidFill>
                     <a:srgbClr val="FFC000"/>
                   </a:solidFill>
@@ -5500,7 +5574,7 @@
           </p:nvSpPr>
           <p:spPr>
             <a:xfrm>
-              <a:off x="7504166" y="2722304"/>
+              <a:off x="8304094" y="3034018"/>
               <a:ext cx="257601" cy="226459"/>
             </a:xfrm>
             <a:prstGeom prst="rect">
@@ -5546,7 +5620,7 @@
           </p:nvSpPr>
           <p:spPr>
             <a:xfrm>
-              <a:off x="7738588" y="2697033"/>
+              <a:off x="8538516" y="3008747"/>
               <a:ext cx="813043" cy="276999"/>
             </a:xfrm>
             <a:prstGeom prst="rect">
@@ -5590,7 +5664,7 @@
           </p:nvSpPr>
           <p:spPr>
             <a:xfrm>
-              <a:off x="7913153" y="4011598"/>
+              <a:off x="8713081" y="4323312"/>
               <a:ext cx="2533065" cy="276999"/>
             </a:xfrm>
             <a:prstGeom prst="rect">
@@ -5659,7 +5733,7 @@
           </p:nvCxnSpPr>
           <p:spPr>
             <a:xfrm>
-              <a:off x="9179686" y="4288597"/>
+              <a:off x="9979614" y="4600311"/>
               <a:ext cx="195962" cy="484571"/>
             </a:xfrm>
             <a:prstGeom prst="straightConnector1">
@@ -5695,7 +5769,7 @@
           </p:nvSpPr>
           <p:spPr>
             <a:xfrm>
-              <a:off x="9277667" y="5572735"/>
+              <a:off x="10077595" y="5884449"/>
               <a:ext cx="1175323" cy="276999"/>
             </a:xfrm>
             <a:prstGeom prst="rect">
@@ -5754,6 +5828,52 @@
             </a:p>
           </p:txBody>
         </p:sp>
+        <p:sp>
+          <p:nvSpPr>
+            <p:cNvPr id="20" name="正方形/長方形 19"/>
+            <p:cNvSpPr/>
+            <p:nvPr/>
+          </p:nvSpPr>
+          <p:spPr>
+            <a:xfrm>
+              <a:off x="8611230" y="1565243"/>
+              <a:ext cx="2350234" cy="209387"/>
+            </a:xfrm>
+            <a:prstGeom prst="rect">
+              <a:avLst/>
+            </a:prstGeom>
+            <a:noFill/>
+            <a:ln w="25400">
+              <a:solidFill>
+                <a:srgbClr val="FFC000"/>
+              </a:solidFill>
+            </a:ln>
+          </p:spPr>
+          <p:style>
+            <a:lnRef idx="2">
+              <a:schemeClr val="accent1">
+                <a:shade val="50000"/>
+              </a:schemeClr>
+            </a:lnRef>
+            <a:fillRef idx="1">
+              <a:schemeClr val="accent1"/>
+            </a:fillRef>
+            <a:effectRef idx="0">
+              <a:schemeClr val="accent1"/>
+            </a:effectRef>
+            <a:fontRef idx="minor">
+              <a:schemeClr val="lt1"/>
+            </a:fontRef>
+          </p:style>
+          <p:txBody>
+            <a:bodyPr rtlCol="0" anchor="ctr"/>
+            <a:lstStyle/>
+            <a:p>
+              <a:pPr algn="ctr"/>
+              <a:endParaRPr kumimoji="1" lang="ja-JP" altLang="en-US"/>
+            </a:p>
+          </p:txBody>
+        </p:sp>
       </p:grpSp>
     </p:spTree>
     <p:extLst>
@@ -5765,6 +5885,13 @@
   <p:clrMapOvr>
     <a:masterClrMapping/>
   </p:clrMapOvr>
+  <p:timing>
+    <p:tnLst>
+      <p:par>
+        <p:cTn id="1" dur="indefinite" restart="never" nodeType="tmRoot"/>
+      </p:par>
+    </p:tnLst>
+  </p:timing>
 </p:sld>
 </file>
 
@@ -5813,11 +5940,7 @@
             </a:r>
             <a:r>
               <a:rPr kumimoji="1" lang="en-US" altLang="ja-JP" sz="2400" dirty="0" smtClean="0"/>
-              <a:t>3 </a:t>
-            </a:r>
-            <a:r>
-              <a:rPr kumimoji="1" lang="en-US" altLang="ja-JP" sz="2400" dirty="0" smtClean="0"/>
-              <a:t>Conversation </a:t>
+              <a:t>3 Conversation </a:t>
             </a:r>
             <a:r>
               <a:rPr lang="ja-JP" altLang="en-US" sz="2400" dirty="0" smtClean="0"/>
@@ -5867,6 +5990,13 @@
   <p:clrMapOvr>
     <a:masterClrMapping/>
   </p:clrMapOvr>
+  <p:timing>
+    <p:tnLst>
+      <p:par>
+        <p:cTn id="1" dur="indefinite" restart="never" nodeType="tmRoot"/>
+      </p:par>
+    </p:tnLst>
+  </p:timing>
 </p:sld>
 </file>
 

--- a/docs/figure.pptx
+++ b/docs/figure.pptx
@@ -5,12 +5,13 @@
     <p:sldMasterId id="2147483648" r:id="rId1"/>
   </p:sldMasterIdLst>
   <p:notesMasterIdLst>
-    <p:notesMasterId r:id="rId5"/>
+    <p:notesMasterId r:id="rId6"/>
   </p:notesMasterIdLst>
   <p:sldIdLst>
     <p:sldId id="256" r:id="rId2"/>
     <p:sldId id="257" r:id="rId3"/>
     <p:sldId id="258" r:id="rId4"/>
+    <p:sldId id="260" r:id="rId5"/>
   </p:sldIdLst>
   <p:sldSz cx="12192000" cy="6858000"/>
   <p:notesSz cx="6858000" cy="9144000"/>
@@ -210,7 +211,7 @@
           <a:p>
             <a:fld id="{66D949E3-6659-8E4F-901F-AFF6F33DACEF}" type="datetimeFigureOut">
               <a:rPr kumimoji="1" lang="ja-JP" altLang="en-US" smtClean="0"/>
-              <a:t>2017/4/27</a:t>
+              <a:t>2017/5/17</a:t>
             </a:fld>
             <a:endParaRPr kumimoji="1" lang="ja-JP" altLang="en-US"/>
           </a:p>
@@ -641,7 +642,7 @@
           <a:p>
             <a:fld id="{360FF60A-06ED-4173-82A8-5CCC4E59C5FB}" type="datetimeFigureOut">
               <a:rPr kumimoji="1" lang="ja-JP" altLang="en-US" smtClean="0"/>
-              <a:t>2017/4/27</a:t>
+              <a:t>2017/5/17</a:t>
             </a:fld>
             <a:endParaRPr kumimoji="1" lang="ja-JP" altLang="en-US"/>
           </a:p>
@@ -811,7 +812,7 @@
           <a:p>
             <a:fld id="{360FF60A-06ED-4173-82A8-5CCC4E59C5FB}" type="datetimeFigureOut">
               <a:rPr kumimoji="1" lang="ja-JP" altLang="en-US" smtClean="0"/>
-              <a:t>2017/4/27</a:t>
+              <a:t>2017/5/17</a:t>
             </a:fld>
             <a:endParaRPr kumimoji="1" lang="ja-JP" altLang="en-US"/>
           </a:p>
@@ -991,7 +992,7 @@
           <a:p>
             <a:fld id="{360FF60A-06ED-4173-82A8-5CCC4E59C5FB}" type="datetimeFigureOut">
               <a:rPr kumimoji="1" lang="ja-JP" altLang="en-US" smtClean="0"/>
-              <a:t>2017/4/27</a:t>
+              <a:t>2017/5/17</a:t>
             </a:fld>
             <a:endParaRPr kumimoji="1" lang="ja-JP" altLang="en-US"/>
           </a:p>
@@ -1161,7 +1162,7 @@
           <a:p>
             <a:fld id="{360FF60A-06ED-4173-82A8-5CCC4E59C5FB}" type="datetimeFigureOut">
               <a:rPr kumimoji="1" lang="ja-JP" altLang="en-US" smtClean="0"/>
-              <a:t>2017/4/27</a:t>
+              <a:t>2017/5/17</a:t>
             </a:fld>
             <a:endParaRPr kumimoji="1" lang="ja-JP" altLang="en-US"/>
           </a:p>
@@ -1407,7 +1408,7 @@
           <a:p>
             <a:fld id="{360FF60A-06ED-4173-82A8-5CCC4E59C5FB}" type="datetimeFigureOut">
               <a:rPr kumimoji="1" lang="ja-JP" altLang="en-US" smtClean="0"/>
-              <a:t>2017/4/27</a:t>
+              <a:t>2017/5/17</a:t>
             </a:fld>
             <a:endParaRPr kumimoji="1" lang="ja-JP" altLang="en-US"/>
           </a:p>
@@ -1639,7 +1640,7 @@
           <a:p>
             <a:fld id="{360FF60A-06ED-4173-82A8-5CCC4E59C5FB}" type="datetimeFigureOut">
               <a:rPr kumimoji="1" lang="ja-JP" altLang="en-US" smtClean="0"/>
-              <a:t>2017/4/27</a:t>
+              <a:t>2017/5/17</a:t>
             </a:fld>
             <a:endParaRPr kumimoji="1" lang="ja-JP" altLang="en-US"/>
           </a:p>
@@ -2006,7 +2007,7 @@
           <a:p>
             <a:fld id="{360FF60A-06ED-4173-82A8-5CCC4E59C5FB}" type="datetimeFigureOut">
               <a:rPr kumimoji="1" lang="ja-JP" altLang="en-US" smtClean="0"/>
-              <a:t>2017/4/27</a:t>
+              <a:t>2017/5/17</a:t>
             </a:fld>
             <a:endParaRPr kumimoji="1" lang="ja-JP" altLang="en-US"/>
           </a:p>
@@ -2124,7 +2125,7 @@
           <a:p>
             <a:fld id="{360FF60A-06ED-4173-82A8-5CCC4E59C5FB}" type="datetimeFigureOut">
               <a:rPr kumimoji="1" lang="ja-JP" altLang="en-US" smtClean="0"/>
-              <a:t>2017/4/27</a:t>
+              <a:t>2017/5/17</a:t>
             </a:fld>
             <a:endParaRPr kumimoji="1" lang="ja-JP" altLang="en-US"/>
           </a:p>
@@ -2219,7 +2220,7 @@
           <a:p>
             <a:fld id="{360FF60A-06ED-4173-82A8-5CCC4E59C5FB}" type="datetimeFigureOut">
               <a:rPr kumimoji="1" lang="ja-JP" altLang="en-US" smtClean="0"/>
-              <a:t>2017/4/27</a:t>
+              <a:t>2017/5/17</a:t>
             </a:fld>
             <a:endParaRPr kumimoji="1" lang="ja-JP" altLang="en-US"/>
           </a:p>
@@ -2496,7 +2497,7 @@
           <a:p>
             <a:fld id="{360FF60A-06ED-4173-82A8-5CCC4E59C5FB}" type="datetimeFigureOut">
               <a:rPr kumimoji="1" lang="ja-JP" altLang="en-US" smtClean="0"/>
-              <a:t>2017/4/27</a:t>
+              <a:t>2017/5/17</a:t>
             </a:fld>
             <a:endParaRPr kumimoji="1" lang="ja-JP" altLang="en-US"/>
           </a:p>
@@ -2749,7 +2750,7 @@
           <a:p>
             <a:fld id="{360FF60A-06ED-4173-82A8-5CCC4E59C5FB}" type="datetimeFigureOut">
               <a:rPr kumimoji="1" lang="ja-JP" altLang="en-US" smtClean="0"/>
-              <a:t>2017/4/27</a:t>
+              <a:t>2017/5/17</a:t>
             </a:fld>
             <a:endParaRPr kumimoji="1" lang="ja-JP" altLang="en-US"/>
           </a:p>
@@ -2962,7 +2963,7 @@
           <a:p>
             <a:fld id="{360FF60A-06ED-4173-82A8-5CCC4E59C5FB}" type="datetimeFigureOut">
               <a:rPr kumimoji="1" lang="ja-JP" altLang="en-US" smtClean="0"/>
-              <a:t>2017/4/27</a:t>
+              <a:t>2017/5/17</a:t>
             </a:fld>
             <a:endParaRPr kumimoji="1" lang="ja-JP" altLang="en-US"/>
           </a:p>
@@ -4991,18 +4992,34 @@
           <a:lstStyle/>
           <a:p>
             <a:r>
-              <a:rPr kumimoji="1" lang="ja-JP" altLang="en-US" sz="2400" dirty="0" smtClean="0"/>
+              <a:rPr kumimoji="1" lang="ja-JP" altLang="en-US" sz="2400" dirty="0" smtClean="0">
+                <a:latin typeface="Meiryo" charset="-128"/>
+                <a:ea typeface="Meiryo" charset="-128"/>
+                <a:cs typeface="Meiryo" charset="-128"/>
+              </a:rPr>
               <a:t>図</a:t>
             </a:r>
             <a:r>
-              <a:rPr kumimoji="1" lang="en-US" altLang="ja-JP" sz="2400" dirty="0" smtClean="0"/>
+              <a:rPr kumimoji="1" lang="en-US" altLang="ja-JP" sz="2400" dirty="0" smtClean="0">
+                <a:latin typeface="Meiryo" charset="-128"/>
+                <a:ea typeface="Meiryo" charset="-128"/>
+                <a:cs typeface="Meiryo" charset="-128"/>
+              </a:rPr>
               <a:t>1 </a:t>
             </a:r>
             <a:r>
-              <a:rPr kumimoji="1" lang="ja-JP" altLang="en-US" sz="2400" dirty="0" smtClean="0"/>
+              <a:rPr kumimoji="1" lang="ja-JP" altLang="en-US" sz="2400" dirty="0" smtClean="0">
+                <a:latin typeface="Meiryo" charset="-128"/>
+                <a:ea typeface="Meiryo" charset="-128"/>
+                <a:cs typeface="Meiryo" charset="-128"/>
+              </a:rPr>
               <a:t>関連図</a:t>
             </a:r>
-            <a:endParaRPr kumimoji="1" lang="ja-JP" altLang="en-US" sz="2400" dirty="0"/>
+            <a:endParaRPr kumimoji="1" lang="ja-JP" altLang="en-US" sz="2400" dirty="0">
+              <a:latin typeface="Meiryo" charset="-128"/>
+              <a:ea typeface="Meiryo" charset="-128"/>
+              <a:cs typeface="Meiryo" charset="-128"/>
+            </a:endParaRPr>
           </a:p>
         </p:txBody>
       </p:sp>
@@ -5056,7 +5073,7 @@
         <p:spPr>
           <a:xfrm>
             <a:off x="-1" y="6190350"/>
-            <a:ext cx="5769033" cy="667650"/>
+            <a:ext cx="6345717" cy="667650"/>
           </a:xfrm>
         </p:spPr>
         <p:txBody>
@@ -5066,22 +5083,42 @@
           <a:lstStyle/>
           <a:p>
             <a:r>
-              <a:rPr kumimoji="1" lang="ja-JP" altLang="en-US" sz="2400" dirty="0" smtClean="0"/>
+              <a:rPr kumimoji="1" lang="ja-JP" altLang="en-US" sz="2400" dirty="0" smtClean="0">
+                <a:latin typeface="Meiryo" charset="-128"/>
+                <a:ea typeface="Meiryo" charset="-128"/>
+                <a:cs typeface="Meiryo" charset="-128"/>
+              </a:rPr>
               <a:t>図</a:t>
             </a:r>
             <a:r>
-              <a:rPr kumimoji="1" lang="en-US" altLang="ja-JP" sz="2400" dirty="0" smtClean="0"/>
+              <a:rPr kumimoji="1" lang="en-US" altLang="ja-JP" sz="2400" dirty="0" smtClean="0">
+                <a:latin typeface="Meiryo" charset="-128"/>
+                <a:ea typeface="Meiryo" charset="-128"/>
+                <a:cs typeface="Meiryo" charset="-128"/>
+              </a:rPr>
               <a:t>2 Conversation </a:t>
             </a:r>
             <a:r>
-              <a:rPr kumimoji="1" lang="ja-JP" altLang="en-US" sz="2400" dirty="0" smtClean="0"/>
+              <a:rPr kumimoji="1" lang="ja-JP" altLang="en-US" sz="2400" dirty="0" smtClean="0">
+                <a:latin typeface="Meiryo" charset="-128"/>
+                <a:ea typeface="Meiryo" charset="-128"/>
+                <a:cs typeface="Meiryo" charset="-128"/>
+              </a:rPr>
               <a:t>の</a:t>
             </a:r>
             <a:r>
-              <a:rPr lang="ja-JP" altLang="en-US" sz="2400" dirty="0" smtClean="0"/>
+              <a:rPr lang="ja-JP" altLang="en-US" sz="2400" dirty="0" smtClean="0">
+                <a:latin typeface="Meiryo" charset="-128"/>
+                <a:ea typeface="Meiryo" charset="-128"/>
+                <a:cs typeface="Meiryo" charset="-128"/>
+              </a:rPr>
               <a:t>ワークスペース作成手順</a:t>
             </a:r>
-            <a:endParaRPr kumimoji="1" lang="ja-JP" altLang="en-US" sz="2400" dirty="0"/>
+            <a:endParaRPr kumimoji="1" lang="ja-JP" altLang="en-US" sz="2400" dirty="0">
+              <a:latin typeface="Meiryo" charset="-128"/>
+              <a:ea typeface="Meiryo" charset="-128"/>
+              <a:cs typeface="Meiryo" charset="-128"/>
+            </a:endParaRPr>
           </a:p>
         </p:txBody>
       </p:sp>
@@ -5475,29 +5512,7 @@
                     <a:ea typeface="Meiryo" charset="-128"/>
                     <a:cs typeface="Meiryo" charset="-128"/>
                   </a:rPr>
-                  <a:t>(</a:t>
-                </a:r>
-                <a:r>
-                  <a:rPr lang="en-US" altLang="ja-JP" sz="1200" dirty="0" smtClean="0">
-                    <a:solidFill>
-                      <a:srgbClr val="FFC000"/>
-                    </a:solidFill>
-                    <a:latin typeface="Meiryo" charset="-128"/>
-                    <a:ea typeface="Meiryo" charset="-128"/>
-                    <a:cs typeface="Meiryo" charset="-128"/>
-                  </a:rPr>
-                  <a:t>2)</a:t>
-                </a:r>
-                <a:r>
-                  <a:rPr lang="en-US" altLang="ja-JP" sz="1200" dirty="0" smtClean="0">
-                    <a:solidFill>
-                      <a:srgbClr val="FFC000"/>
-                    </a:solidFill>
-                    <a:latin typeface="Meiryo" charset="-128"/>
-                    <a:ea typeface="Meiryo" charset="-128"/>
-                    <a:cs typeface="Meiryo" charset="-128"/>
-                  </a:rPr>
-                  <a:t>install/workspace-</a:t>
+                  <a:t>(2)install/workspace-</a:t>
                 </a:r>
                 <a:r>
                   <a:rPr lang="en-US" altLang="ja-JP" sz="1200" dirty="0" err="1" smtClean="0">
@@ -5925,7 +5940,7 @@
         <p:spPr>
           <a:xfrm>
             <a:off x="-1" y="6190350"/>
-            <a:ext cx="5769033" cy="667650"/>
+            <a:ext cx="6356734" cy="667650"/>
           </a:xfrm>
         </p:spPr>
         <p:txBody>
@@ -5935,18 +5950,34 @@
           <a:lstStyle/>
           <a:p>
             <a:r>
-              <a:rPr kumimoji="1" lang="ja-JP" altLang="en-US" sz="2400" dirty="0" smtClean="0"/>
+              <a:rPr kumimoji="1" lang="ja-JP" altLang="en-US" sz="2400" dirty="0" smtClean="0">
+                <a:latin typeface="Meiryo" charset="-128"/>
+                <a:ea typeface="Meiryo" charset="-128"/>
+                <a:cs typeface="Meiryo" charset="-128"/>
+              </a:rPr>
               <a:t>図</a:t>
             </a:r>
             <a:r>
-              <a:rPr kumimoji="1" lang="en-US" altLang="ja-JP" sz="2400" dirty="0" smtClean="0"/>
+              <a:rPr kumimoji="1" lang="en-US" altLang="ja-JP" sz="2400" dirty="0" smtClean="0">
+                <a:latin typeface="Meiryo" charset="-128"/>
+                <a:ea typeface="Meiryo" charset="-128"/>
+                <a:cs typeface="Meiryo" charset="-128"/>
+              </a:rPr>
               <a:t>3 Conversation </a:t>
             </a:r>
             <a:r>
-              <a:rPr lang="ja-JP" altLang="en-US" sz="2400" dirty="0" smtClean="0"/>
+              <a:rPr lang="ja-JP" altLang="en-US" sz="2400" dirty="0" smtClean="0">
+                <a:latin typeface="Meiryo" charset="-128"/>
+                <a:ea typeface="Meiryo" charset="-128"/>
+                <a:cs typeface="Meiryo" charset="-128"/>
+              </a:rPr>
               <a:t>ワークスペースの接続情報</a:t>
             </a:r>
-            <a:endParaRPr kumimoji="1" lang="ja-JP" altLang="en-US" sz="2400" dirty="0"/>
+            <a:endParaRPr kumimoji="1" lang="ja-JP" altLang="en-US" sz="2400" dirty="0">
+              <a:latin typeface="Meiryo" charset="-128"/>
+              <a:ea typeface="Meiryo" charset="-128"/>
+              <a:cs typeface="Meiryo" charset="-128"/>
+            </a:endParaRPr>
           </a:p>
         </p:txBody>
       </p:sp>
@@ -5984,6 +6015,407 @@
     <p:extLst>
       <p:ext uri="{BB962C8B-B14F-4D97-AF65-F5344CB8AC3E}">
         <p14:creationId xmlns:p14="http://schemas.microsoft.com/office/powerpoint/2010/main" val="1582844318"/>
+      </p:ext>
+    </p:extLst>
+  </p:cSld>
+  <p:clrMapOvr>
+    <a:masterClrMapping/>
+  </p:clrMapOvr>
+  <p:timing>
+    <p:tnLst>
+      <p:par>
+        <p:cTn id="1" dur="indefinite" restart="never" nodeType="tmRoot"/>
+      </p:par>
+    </p:tnLst>
+  </p:timing>
+</p:sld>
+</file>
+
+<file path=ppt/slides/slide4.xml><?xml version="1.0" encoding="utf-8"?>
+<p:sld xmlns:a="http://schemas.openxmlformats.org/drawingml/2006/main" xmlns:r="http://schemas.openxmlformats.org/officeDocument/2006/relationships" xmlns:p="http://schemas.openxmlformats.org/presentationml/2006/main">
+  <p:cSld>
+    <p:spTree>
+      <p:nvGrpSpPr>
+        <p:cNvPr id="1" name=""/>
+        <p:cNvGrpSpPr/>
+        <p:nvPr/>
+      </p:nvGrpSpPr>
+      <p:grpSpPr>
+        <a:xfrm>
+          <a:off x="0" y="0"/>
+          <a:ext cx="0" cy="0"/>
+          <a:chOff x="0" y="0"/>
+          <a:chExt cx="0" cy="0"/>
+        </a:xfrm>
+      </p:grpSpPr>
+      <p:sp>
+        <p:nvSpPr>
+          <p:cNvPr id="2" name="タイトル 1"/>
+          <p:cNvSpPr>
+            <a:spLocks noGrp="1"/>
+          </p:cNvSpPr>
+          <p:nvPr>
+            <p:ph type="title"/>
+          </p:nvPr>
+        </p:nvSpPr>
+        <p:spPr>
+          <a:xfrm>
+            <a:off x="-1" y="6190350"/>
+            <a:ext cx="5769033" cy="667650"/>
+          </a:xfrm>
+        </p:spPr>
+        <p:txBody>
+          <a:bodyPr>
+            <a:normAutofit/>
+          </a:bodyPr>
+          <a:lstStyle/>
+          <a:p>
+            <a:r>
+              <a:rPr kumimoji="1" lang="ja-JP" altLang="en-US" sz="2400" dirty="0" smtClean="0">
+                <a:latin typeface="Meiryo" charset="-128"/>
+                <a:ea typeface="Meiryo" charset="-128"/>
+                <a:cs typeface="Meiryo" charset="-128"/>
+              </a:rPr>
+              <a:t>図</a:t>
+            </a:r>
+            <a:r>
+              <a:rPr kumimoji="1" lang="en-US" altLang="ja-JP" sz="2400" dirty="0" smtClean="0">
+                <a:latin typeface="Meiryo" charset="-128"/>
+                <a:ea typeface="Meiryo" charset="-128"/>
+                <a:cs typeface="Meiryo" charset="-128"/>
+              </a:rPr>
+              <a:t>5 Bluemix </a:t>
+            </a:r>
+            <a:r>
+              <a:rPr kumimoji="1" lang="ja-JP" altLang="en-US" sz="2400" dirty="0" smtClean="0">
+                <a:latin typeface="Meiryo" charset="-128"/>
+                <a:ea typeface="Meiryo" charset="-128"/>
+                <a:cs typeface="Meiryo" charset="-128"/>
+              </a:rPr>
+              <a:t>コンソール</a:t>
+            </a:r>
+            <a:endParaRPr kumimoji="1" lang="ja-JP" altLang="en-US" sz="2400" dirty="0">
+              <a:latin typeface="Meiryo" charset="-128"/>
+              <a:ea typeface="Meiryo" charset="-128"/>
+              <a:cs typeface="Meiryo" charset="-128"/>
+            </a:endParaRPr>
+          </a:p>
+        </p:txBody>
+      </p:sp>
+      <p:grpSp>
+        <p:nvGrpSpPr>
+          <p:cNvPr id="12" name="図形グループ 11"/>
+          <p:cNvGrpSpPr/>
+          <p:nvPr/>
+        </p:nvGrpSpPr>
+        <p:grpSpPr>
+          <a:xfrm>
+            <a:off x="1066800" y="1066800"/>
+            <a:ext cx="10058400" cy="4717933"/>
+            <a:chOff x="1066800" y="1066800"/>
+            <a:chExt cx="10058400" cy="4717933"/>
+          </a:xfrm>
+        </p:grpSpPr>
+        <p:pic>
+          <p:nvPicPr>
+            <p:cNvPr id="11" name="図 10"/>
+            <p:cNvPicPr>
+              <a:picLocks noChangeAspect="1"/>
+            </p:cNvPicPr>
+            <p:nvPr/>
+          </p:nvPicPr>
+          <p:blipFill>
+            <a:blip r:embed="rId2">
+              <a:extLst>
+                <a:ext uri="{28A0092B-C50C-407E-A947-70E740481C1C}">
+                  <a14:useLocalDpi xmlns:a14="http://schemas.microsoft.com/office/drawing/2010/main" val="0"/>
+                </a:ext>
+              </a:extLst>
+            </a:blip>
+            <a:stretch>
+              <a:fillRect/>
+            </a:stretch>
+          </p:blipFill>
+          <p:spPr>
+            <a:xfrm>
+              <a:off x="1066800" y="1066800"/>
+              <a:ext cx="10058400" cy="4706112"/>
+            </a:xfrm>
+            <a:prstGeom prst="rect">
+              <a:avLst/>
+            </a:prstGeom>
+          </p:spPr>
+        </p:pic>
+        <p:grpSp>
+          <p:nvGrpSpPr>
+            <p:cNvPr id="7" name="図形グループ 6"/>
+            <p:cNvGrpSpPr/>
+            <p:nvPr/>
+          </p:nvGrpSpPr>
+          <p:grpSpPr>
+            <a:xfrm>
+              <a:off x="8847222" y="1105802"/>
+              <a:ext cx="1989622" cy="4678931"/>
+              <a:chOff x="8847222" y="1105802"/>
+              <a:chExt cx="1989622" cy="4678931"/>
+            </a:xfrm>
+          </p:grpSpPr>
+          <p:grpSp>
+            <p:nvGrpSpPr>
+              <p:cNvPr id="4" name="図形グループ 3"/>
+              <p:cNvGrpSpPr/>
+              <p:nvPr/>
+            </p:nvGrpSpPr>
+            <p:grpSpPr>
+              <a:xfrm>
+                <a:off x="8847222" y="5133473"/>
+                <a:ext cx="838486" cy="651260"/>
+                <a:chOff x="9488036" y="4540504"/>
+                <a:chExt cx="838486" cy="651260"/>
+              </a:xfrm>
+            </p:grpSpPr>
+            <p:sp>
+              <p:nvSpPr>
+                <p:cNvPr id="5" name="正方形/長方形 4"/>
+                <p:cNvSpPr/>
+                <p:nvPr/>
+              </p:nvSpPr>
+              <p:spPr>
+                <a:xfrm>
+                  <a:off x="9488036" y="4540504"/>
+                  <a:ext cx="737412" cy="401053"/>
+                </a:xfrm>
+                <a:prstGeom prst="rect">
+                  <a:avLst/>
+                </a:prstGeom>
+                <a:noFill/>
+                <a:ln w="25400">
+                  <a:solidFill>
+                    <a:srgbClr val="FFC000"/>
+                  </a:solidFill>
+                </a:ln>
+              </p:spPr>
+              <p:style>
+                <a:lnRef idx="2">
+                  <a:schemeClr val="accent1">
+                    <a:shade val="50000"/>
+                  </a:schemeClr>
+                </a:lnRef>
+                <a:fillRef idx="1">
+                  <a:schemeClr val="accent1"/>
+                </a:fillRef>
+                <a:effectRef idx="0">
+                  <a:schemeClr val="accent1"/>
+                </a:effectRef>
+                <a:fontRef idx="minor">
+                  <a:schemeClr val="lt1"/>
+                </a:fontRef>
+              </p:style>
+              <p:txBody>
+                <a:bodyPr rtlCol="0" anchor="ctr"/>
+                <a:lstStyle/>
+                <a:p>
+                  <a:pPr algn="ctr"/>
+                  <a:endParaRPr kumimoji="1" lang="ja-JP" altLang="en-US"/>
+                </a:p>
+              </p:txBody>
+            </p:sp>
+            <p:sp>
+              <p:nvSpPr>
+                <p:cNvPr id="6" name="テキスト ボックス 5"/>
+                <p:cNvSpPr txBox="1"/>
+                <p:nvPr/>
+              </p:nvSpPr>
+              <p:spPr>
+                <a:xfrm>
+                  <a:off x="9797210" y="4914765"/>
+                  <a:ext cx="529312" cy="276999"/>
+                </a:xfrm>
+                <a:prstGeom prst="rect">
+                  <a:avLst/>
+                </a:prstGeom>
+                <a:noFill/>
+              </p:spPr>
+              <p:txBody>
+                <a:bodyPr wrap="none" rtlCol="0">
+                  <a:spAutoFit/>
+                </a:bodyPr>
+                <a:lstStyle/>
+                <a:p>
+                  <a:r>
+                    <a:rPr kumimoji="1" lang="en-US" altLang="ja-JP" sz="1200" dirty="0" smtClean="0">
+                      <a:solidFill>
+                        <a:srgbClr val="FFC000"/>
+                      </a:solidFill>
+                      <a:latin typeface="Meiryo" charset="-128"/>
+                      <a:ea typeface="Meiryo" charset="-128"/>
+                      <a:cs typeface="Meiryo" charset="-128"/>
+                    </a:rPr>
+                    <a:t>Click</a:t>
+                  </a:r>
+                  <a:endParaRPr kumimoji="1" lang="ja-JP" altLang="en-US" sz="1200" dirty="0">
+                    <a:solidFill>
+                      <a:srgbClr val="FFC000"/>
+                    </a:solidFill>
+                    <a:latin typeface="Meiryo" charset="-128"/>
+                    <a:ea typeface="Meiryo" charset="-128"/>
+                    <a:cs typeface="Meiryo" charset="-128"/>
+                  </a:endParaRPr>
+                </a:p>
+              </p:txBody>
+            </p:sp>
+          </p:grpSp>
+          <p:sp>
+            <p:nvSpPr>
+              <p:cNvPr id="8" name="正方形/長方形 7"/>
+              <p:cNvSpPr/>
+              <p:nvPr/>
+            </p:nvSpPr>
+            <p:spPr>
+              <a:xfrm>
+                <a:off x="9188480" y="1105802"/>
+                <a:ext cx="1458595" cy="197997"/>
+              </a:xfrm>
+              <a:prstGeom prst="rect">
+                <a:avLst/>
+              </a:prstGeom>
+              <a:noFill/>
+              <a:ln w="25400">
+                <a:solidFill>
+                  <a:srgbClr val="FFC000"/>
+                </a:solidFill>
+              </a:ln>
+            </p:spPr>
+            <p:style>
+              <a:lnRef idx="2">
+                <a:schemeClr val="accent1">
+                  <a:shade val="50000"/>
+                </a:schemeClr>
+              </a:lnRef>
+              <a:fillRef idx="1">
+                <a:schemeClr val="accent1"/>
+              </a:fillRef>
+              <a:effectRef idx="0">
+                <a:schemeClr val="accent1"/>
+              </a:effectRef>
+              <a:fontRef idx="minor">
+                <a:schemeClr val="lt1"/>
+              </a:fontRef>
+            </p:style>
+            <p:txBody>
+              <a:bodyPr rtlCol="0" anchor="ctr"/>
+              <a:lstStyle/>
+              <a:p>
+                <a:pPr algn="ctr"/>
+                <a:endParaRPr kumimoji="1" lang="ja-JP" altLang="en-US"/>
+              </a:p>
+            </p:txBody>
+          </p:sp>
+          <p:sp>
+            <p:nvSpPr>
+              <p:cNvPr id="9" name="テキスト ボックス 8"/>
+              <p:cNvSpPr txBox="1"/>
+              <p:nvPr/>
+            </p:nvSpPr>
+            <p:spPr>
+              <a:xfrm>
+                <a:off x="9300846" y="1303799"/>
+                <a:ext cx="1535998" cy="246221"/>
+              </a:xfrm>
+              <a:prstGeom prst="rect">
+                <a:avLst/>
+              </a:prstGeom>
+              <a:noFill/>
+            </p:spPr>
+            <p:txBody>
+              <a:bodyPr wrap="none" rtlCol="0">
+                <a:spAutoFit/>
+              </a:bodyPr>
+              <a:lstStyle/>
+              <a:p>
+                <a:r>
+                  <a:rPr kumimoji="1" lang="ja-JP" altLang="en-US" sz="1000" dirty="0" smtClean="0">
+                    <a:solidFill>
+                      <a:srgbClr val="FFC000"/>
+                    </a:solidFill>
+                    <a:latin typeface="Meiryo" charset="-128"/>
+                    <a:ea typeface="Meiryo" charset="-128"/>
+                    <a:cs typeface="Meiryo" charset="-128"/>
+                  </a:rPr>
+                  <a:t>地域</a:t>
+                </a:r>
+                <a:r>
+                  <a:rPr kumimoji="1" lang="en-US" altLang="ja-JP" sz="1000" dirty="0" smtClean="0">
+                    <a:solidFill>
+                      <a:srgbClr val="FFC000"/>
+                    </a:solidFill>
+                    <a:latin typeface="Meiryo" charset="-128"/>
+                    <a:ea typeface="Meiryo" charset="-128"/>
+                    <a:cs typeface="Meiryo" charset="-128"/>
+                  </a:rPr>
+                  <a:t> : </a:t>
+                </a:r>
+                <a:r>
+                  <a:rPr kumimoji="1" lang="ja-JP" altLang="en-US" sz="1000" dirty="0" smtClean="0">
+                    <a:solidFill>
+                      <a:srgbClr val="FFC000"/>
+                    </a:solidFill>
+                    <a:latin typeface="Meiryo" charset="-128"/>
+                    <a:ea typeface="Meiryo" charset="-128"/>
+                    <a:cs typeface="Meiryo" charset="-128"/>
+                  </a:rPr>
+                  <a:t>組織</a:t>
+                </a:r>
+                <a:r>
+                  <a:rPr lang="en-US" altLang="ja-JP" sz="1000" dirty="0">
+                    <a:solidFill>
+                      <a:srgbClr val="FFC000"/>
+                    </a:solidFill>
+                    <a:latin typeface="Meiryo" charset="-128"/>
+                    <a:ea typeface="Meiryo" charset="-128"/>
+                    <a:cs typeface="Meiryo" charset="-128"/>
+                  </a:rPr>
+                  <a:t>  </a:t>
+                </a:r>
+                <a:r>
+                  <a:rPr lang="en-US" altLang="ja-JP" sz="1000" dirty="0" smtClean="0">
+                    <a:solidFill>
+                      <a:srgbClr val="FFC000"/>
+                    </a:solidFill>
+                    <a:latin typeface="Meiryo" charset="-128"/>
+                    <a:ea typeface="Meiryo" charset="-128"/>
+                    <a:cs typeface="Meiryo" charset="-128"/>
+                  </a:rPr>
+                  <a:t>: </a:t>
+                </a:r>
+                <a:r>
+                  <a:rPr lang="ja-JP" altLang="en-US" sz="1000" dirty="0" smtClean="0">
+                    <a:solidFill>
+                      <a:srgbClr val="FFC000"/>
+                    </a:solidFill>
+                    <a:latin typeface="Meiryo" charset="-128"/>
+                    <a:ea typeface="Meiryo" charset="-128"/>
+                    <a:cs typeface="Meiryo" charset="-128"/>
+                  </a:rPr>
+                  <a:t>スペース</a:t>
+                </a:r>
+                <a:endParaRPr kumimoji="1" lang="ja-JP" altLang="en-US" sz="1000" dirty="0">
+                  <a:solidFill>
+                    <a:srgbClr val="FFC000"/>
+                  </a:solidFill>
+                  <a:latin typeface="Meiryo" charset="-128"/>
+                  <a:ea typeface="Meiryo" charset="-128"/>
+                  <a:cs typeface="Meiryo" charset="-128"/>
+                </a:endParaRPr>
+              </a:p>
+            </p:txBody>
+          </p:sp>
+        </p:grpSp>
+      </p:grpSp>
+    </p:spTree>
+    <p:extLst>
+      <p:ext uri="{BB962C8B-B14F-4D97-AF65-F5344CB8AC3E}">
+        <p14:creationId xmlns:p14="http://schemas.microsoft.com/office/powerpoint/2010/main" val="225757190"/>
       </p:ext>
     </p:extLst>
   </p:cSld>

--- a/docs/figure.pptx
+++ b/docs/figure.pptx
@@ -4534,7 +4534,7 @@
                   <a:ea typeface="Meiryo" charset="-128"/>
                   <a:cs typeface="Meiryo" charset="-128"/>
                 </a:rPr>
-                <a:t>API-Experimental</a:t>
+                <a:t>API</a:t>
               </a:r>
               <a:endParaRPr kumimoji="1" lang="ja-JP" altLang="en-US" sz="1200" dirty="0">
                 <a:solidFill>
@@ -4784,8 +4784,8 @@
           </p:nvSpPr>
           <p:spPr>
             <a:xfrm>
-              <a:off x="4111662" y="4376868"/>
-              <a:ext cx="1941557" cy="276999"/>
+              <a:off x="4329851" y="4531410"/>
+              <a:ext cx="898003" cy="276999"/>
             </a:xfrm>
             <a:prstGeom prst="rect">
               <a:avLst/>
@@ -4829,14 +4829,6 @@
                   <a:cs typeface="Meiryo" charset="-128"/>
                 </a:rPr>
                 <a:t>api</a:t>
-              </a:r>
-              <a:r>
-                <a:rPr lang="en-US" altLang="ja-JP" sz="1200" dirty="0" smtClean="0">
-                  <a:latin typeface="Meiryo" charset="-128"/>
-                  <a:ea typeface="Meiryo" charset="-128"/>
-                  <a:cs typeface="Meiryo" charset="-128"/>
-                </a:rPr>
-                <a:t>-experimental</a:t>
               </a:r>
               <a:endParaRPr kumimoji="1" lang="ja-JP" altLang="en-US" sz="1200" dirty="0">
                 <a:latin typeface="Meiryo" charset="-128"/>
